--- a/MSP-AI-workshop.pptx
+++ b/MSP-AI-workshop.pptx
@@ -211,7 +211,7 @@
           <a:p>
             <a:fld id="{C1C000DD-58B3-430E-81DF-F1A77A64991C}" type="datetimeFigureOut">
               <a:rPr lang="en-US" smtClean="0"/>
-              <a:t>11/9/2017</a:t>
+              <a:t>11/21/2017</a:t>
             </a:fld>
             <a:endParaRPr lang="en-US"/>
           </a:p>
@@ -1393,7 +1393,7 @@
                 <a:tabLst/>
                 <a:defRPr/>
               </a:pPr>
-              <a:t>11/9/2017 2:55 PM</a:t>
+              <a:t>11/21/2017 2:30 PM</a:t>
             </a:fld>
             <a:endParaRPr kumimoji="0" lang="en-US" sz="1800" b="0" i="0" u="none" strike="noStrike" kern="0" cap="none" spc="0" normalizeH="0" baseline="0" noProof="0" dirty="0">
               <a:ln>
@@ -1751,7 +1751,7 @@
                 <a:tabLst/>
                 <a:defRPr/>
               </a:pPr>
-              <a:t>11/9/2017 2:55 PM</a:t>
+              <a:t>11/21/2017 2:30 PM</a:t>
             </a:fld>
             <a:endParaRPr kumimoji="0" lang="en-US" sz="1200" b="0" i="0" u="none" strike="noStrike" kern="1200" cap="none" spc="0" normalizeH="0" baseline="0" noProof="0" dirty="0">
               <a:ln>
@@ -8760,7 +8760,7 @@
           <a:p>
             <a:fld id="{B84C26B9-5F48-4B79-A006-3B024D4E2501}" type="datetimeFigureOut">
               <a:rPr lang="en-US" smtClean="0"/>
-              <a:t>11/9/2017</a:t>
+              <a:t>11/21/2017</a:t>
             </a:fld>
             <a:endParaRPr lang="en-US"/>
           </a:p>
@@ -8930,7 +8930,7 @@
           <a:p>
             <a:fld id="{B84C26B9-5F48-4B79-A006-3B024D4E2501}" type="datetimeFigureOut">
               <a:rPr lang="en-US" smtClean="0"/>
-              <a:t>11/9/2017</a:t>
+              <a:t>11/21/2017</a:t>
             </a:fld>
             <a:endParaRPr lang="en-US"/>
           </a:p>
@@ -9176,7 +9176,7 @@
           <a:p>
             <a:fld id="{B84C26B9-5F48-4B79-A006-3B024D4E2501}" type="datetimeFigureOut">
               <a:rPr lang="en-US" smtClean="0"/>
-              <a:t>11/9/2017</a:t>
+              <a:t>11/21/2017</a:t>
             </a:fld>
             <a:endParaRPr lang="en-US"/>
           </a:p>
@@ -9408,7 +9408,7 @@
           <a:p>
             <a:fld id="{B84C26B9-5F48-4B79-A006-3B024D4E2501}" type="datetimeFigureOut">
               <a:rPr lang="en-US" smtClean="0"/>
-              <a:t>11/9/2017</a:t>
+              <a:t>11/21/2017</a:t>
             </a:fld>
             <a:endParaRPr lang="en-US"/>
           </a:p>
@@ -9775,7 +9775,7 @@
           <a:p>
             <a:fld id="{B84C26B9-5F48-4B79-A006-3B024D4E2501}" type="datetimeFigureOut">
               <a:rPr lang="en-US" smtClean="0"/>
-              <a:t>11/9/2017</a:t>
+              <a:t>11/21/2017</a:t>
             </a:fld>
             <a:endParaRPr lang="en-US"/>
           </a:p>
@@ -9893,7 +9893,7 @@
           <a:p>
             <a:fld id="{B84C26B9-5F48-4B79-A006-3B024D4E2501}" type="datetimeFigureOut">
               <a:rPr lang="en-US" smtClean="0"/>
-              <a:t>11/9/2017</a:t>
+              <a:t>11/21/2017</a:t>
             </a:fld>
             <a:endParaRPr lang="en-US"/>
           </a:p>
@@ -9988,7 +9988,7 @@
           <a:p>
             <a:fld id="{B84C26B9-5F48-4B79-A006-3B024D4E2501}" type="datetimeFigureOut">
               <a:rPr lang="en-US" smtClean="0"/>
-              <a:t>11/9/2017</a:t>
+              <a:t>11/21/2017</a:t>
             </a:fld>
             <a:endParaRPr lang="en-US"/>
           </a:p>
@@ -11819,7 +11819,7 @@
           <a:p>
             <a:fld id="{B84C26B9-5F48-4B79-A006-3B024D4E2501}" type="datetimeFigureOut">
               <a:rPr lang="en-US" smtClean="0"/>
-              <a:t>11/9/2017</a:t>
+              <a:t>11/21/2017</a:t>
             </a:fld>
             <a:endParaRPr lang="en-US"/>
           </a:p>
@@ -12076,7 +12076,7 @@
           <a:p>
             <a:fld id="{B84C26B9-5F48-4B79-A006-3B024D4E2501}" type="datetimeFigureOut">
               <a:rPr lang="en-US" smtClean="0"/>
-              <a:t>11/9/2017</a:t>
+              <a:t>11/21/2017</a:t>
             </a:fld>
             <a:endParaRPr lang="en-US"/>
           </a:p>
@@ -12246,7 +12246,7 @@
           <a:p>
             <a:fld id="{B84C26B9-5F48-4B79-A006-3B024D4E2501}" type="datetimeFigureOut">
               <a:rPr lang="en-US" smtClean="0"/>
-              <a:t>11/9/2017</a:t>
+              <a:t>11/21/2017</a:t>
             </a:fld>
             <a:endParaRPr lang="en-US"/>
           </a:p>
@@ -12426,7 +12426,7 @@
           <a:p>
             <a:fld id="{B84C26B9-5F48-4B79-A006-3B024D4E2501}" type="datetimeFigureOut">
               <a:rPr lang="en-US" smtClean="0"/>
-              <a:t>11/9/2017</a:t>
+              <a:t>11/21/2017</a:t>
             </a:fld>
             <a:endParaRPr lang="en-US"/>
           </a:p>
@@ -14140,7 +14140,7 @@
           <a:p>
             <a:fld id="{B84C26B9-5F48-4B79-A006-3B024D4E2501}" type="datetimeFigureOut">
               <a:rPr lang="en-US" smtClean="0"/>
-              <a:t>11/9/2017</a:t>
+              <a:t>11/21/2017</a:t>
             </a:fld>
             <a:endParaRPr lang="en-US"/>
           </a:p>
@@ -14576,7 +14576,7 @@
                 <a:latin typeface="Segoe UI Light" panose="020B0502040204020203" pitchFamily="34" charset="0"/>
                 <a:cs typeface="Segoe UI Light" panose="020B0502040204020203" pitchFamily="34" charset="0"/>
               </a:rPr>
-              <a:t>Machine Learning and </a:t>
+              <a:t>Intro to Machine Learning and </a:t>
             </a:r>
             <a:br>
               <a:rPr lang="en-US" dirty="0">
@@ -14595,7 +14595,7 @@
                 <a:latin typeface="Segoe UI Light" panose="020B0502040204020203" pitchFamily="34" charset="0"/>
                 <a:cs typeface="Segoe UI Light" panose="020B0502040204020203" pitchFamily="34" charset="0"/>
               </a:rPr>
-              <a:t>Artificial Intelligence on Azure</a:t>
+              <a:t>Artificial Intelligence</a:t>
             </a:r>
           </a:p>
         </p:txBody>
@@ -14631,19 +14631,8 @@
                 <a:latin typeface="Segoe UI Light" panose="020B0502040204020203" pitchFamily="34" charset="0"/>
                 <a:cs typeface="Segoe UI Light" panose="020B0502040204020203" pitchFamily="34" charset="0"/>
               </a:rPr>
-              <a:t>Lauren Tran, @</a:t>
+              <a:t>Christine &amp; Lauren</a:t>
             </a:r>
-            <a:r>
-              <a:rPr lang="en-US" dirty="0" err="1">
-                <a:latin typeface="Segoe UI Light" panose="020B0502040204020203" pitchFamily="34" charset="0"/>
-                <a:cs typeface="Segoe UI Light" panose="020B0502040204020203" pitchFamily="34" charset="0"/>
-              </a:rPr>
-              <a:t>LtkTran</a:t>
-            </a:r>
-            <a:endParaRPr lang="en-US" dirty="0">
-              <a:latin typeface="Segoe UI Light" panose="020B0502040204020203" pitchFamily="34" charset="0"/>
-              <a:cs typeface="Segoe UI Light" panose="020B0502040204020203" pitchFamily="34" charset="0"/>
-            </a:endParaRPr>
           </a:p>
           <a:p>
             <a:r>
@@ -14749,23 +14738,26 @@
               <a:buNone/>
             </a:pPr>
             <a:r>
-              <a:rPr lang="en-US" sz="3600" dirty="0">
+              <a:rPr lang="en-US" sz="5400" dirty="0">
                 <a:latin typeface="Segoe UI Light" panose="020B0502040204020203" pitchFamily="34" charset="0"/>
                 <a:cs typeface="Segoe UI Light" panose="020B0502040204020203" pitchFamily="34" charset="0"/>
                 <a:hlinkClick r:id="rId3"/>
               </a:rPr>
-              <a:t>https://github.com/laurentran/microsoft-ai-workshop </a:t>
+              <a:t>http://aka.ms/1868titanic</a:t>
             </a:r>
-            <a:endParaRPr lang="en-US" sz="3600" dirty="0">
-              <a:latin typeface="Segoe UI Light" panose="020B0502040204020203" pitchFamily="34" charset="0"/>
-              <a:cs typeface="Segoe UI Light" panose="020B0502040204020203" pitchFamily="34" charset="0"/>
-            </a:endParaRPr>
+            <a:r>
+              <a:rPr lang="en-US" sz="5400" dirty="0">
+                <a:latin typeface="Segoe UI Light" panose="020B0502040204020203" pitchFamily="34" charset="0"/>
+                <a:cs typeface="Segoe UI Light" panose="020B0502040204020203" pitchFamily="34" charset="0"/>
+              </a:rPr>
+              <a:t> </a:t>
+            </a:r>
           </a:p>
           <a:p>
             <a:pPr marL="0" indent="0">
               <a:buNone/>
             </a:pPr>
-            <a:endParaRPr lang="en-US" sz="3600" dirty="0">
+            <a:endParaRPr lang="en-US" sz="5400" dirty="0">
               <a:solidFill>
                 <a:srgbClr val="00B0F0"/>
               </a:solidFill>
